--- a/Java Урок 4 for while.pptx
+++ b/Java Урок 4 for while.pptx
@@ -13,10 +13,10 @@
     <p:sldId id="258" r:id="rId4"/>
     <p:sldId id="259" r:id="rId5"/>
     <p:sldId id="261" r:id="rId6"/>
-    <p:sldId id="264" r:id="rId7"/>
-    <p:sldId id="260" r:id="rId8"/>
-    <p:sldId id="262" r:id="rId9"/>
-    <p:sldId id="263" r:id="rId10"/>
+    <p:sldId id="263" r:id="rId7"/>
+    <p:sldId id="264" r:id="rId8"/>
+    <p:sldId id="260" r:id="rId9"/>
+    <p:sldId id="262" r:id="rId10"/>
     <p:sldId id="276" r:id="rId11"/>
     <p:sldId id="265" r:id="rId12"/>
     <p:sldId id="267" r:id="rId13"/>
@@ -16282,6 +16282,259 @@
           <p:cNvPr id="2" name="TextBox 1">
             <a:extLst>
               <a:ext uri="{FF2B5EF4-FFF2-40B4-BE49-F238E27FC236}">
+                <a16:creationId xmlns:a16="http://schemas.microsoft.com/office/drawing/2014/main" id="{37B6AA6B-61D5-49C7-893E-15608A34549D}"/>
+              </a:ext>
+            </a:extLst>
+          </p:cNvPr>
+          <p:cNvSpPr txBox="1"/>
+          <p:nvPr/>
+        </p:nvSpPr>
+        <p:spPr>
+          <a:xfrm>
+            <a:off x="0" y="0"/>
+            <a:ext cx="12192000" cy="830997"/>
+          </a:xfrm>
+          <a:prstGeom prst="rect">
+            <a:avLst/>
+          </a:prstGeom>
+          <a:noFill/>
+        </p:spPr>
+        <p:txBody>
+          <a:bodyPr wrap="square" rtlCol="0">
+            <a:spAutoFit/>
+          </a:bodyPr>
+          <a:lstStyle/>
+          <a:p>
+            <a:pPr algn="ctr"/>
+            <a:r>
+              <a:rPr lang="ru-RU" sz="4800" dirty="0" err="1">
+                <a:latin typeface="Times New Roman" panose="02020603050405020304" pitchFamily="18" charset="0"/>
+                <a:cs typeface="Times New Roman" panose="02020603050405020304" pitchFamily="18" charset="0"/>
+              </a:rPr>
+              <a:t>Керівні</a:t>
+            </a:r>
+            <a:r>
+              <a:rPr lang="ru-RU" sz="4800" dirty="0">
+                <a:latin typeface="Times New Roman" panose="02020603050405020304" pitchFamily="18" charset="0"/>
+                <a:cs typeface="Times New Roman" panose="02020603050405020304" pitchFamily="18" charset="0"/>
+              </a:rPr>
+              <a:t> </a:t>
+            </a:r>
+            <a:r>
+              <a:rPr lang="ru-RU" sz="4800" dirty="0" err="1">
+                <a:latin typeface="Times New Roman" panose="02020603050405020304" pitchFamily="18" charset="0"/>
+                <a:cs typeface="Times New Roman" panose="02020603050405020304" pitchFamily="18" charset="0"/>
+              </a:rPr>
+              <a:t>команди</a:t>
+            </a:r>
+            <a:r>
+              <a:rPr lang="ru-RU" sz="4800" dirty="0">
+                <a:latin typeface="Times New Roman" panose="02020603050405020304" pitchFamily="18" charset="0"/>
+                <a:cs typeface="Times New Roman" panose="02020603050405020304" pitchFamily="18" charset="0"/>
+              </a:rPr>
+              <a:t> в </a:t>
+            </a:r>
+            <a:r>
+              <a:rPr lang="ru-RU" sz="4800" dirty="0" err="1">
+                <a:latin typeface="Times New Roman" panose="02020603050405020304" pitchFamily="18" charset="0"/>
+                <a:cs typeface="Times New Roman" panose="02020603050405020304" pitchFamily="18" charset="0"/>
+              </a:rPr>
+              <a:t>тілі</a:t>
+            </a:r>
+            <a:r>
+              <a:rPr lang="ru-RU" sz="4800" dirty="0">
+                <a:latin typeface="Times New Roman" panose="02020603050405020304" pitchFamily="18" charset="0"/>
+                <a:cs typeface="Times New Roman" panose="02020603050405020304" pitchFamily="18" charset="0"/>
+              </a:rPr>
+              <a:t> циклу</a:t>
+            </a:r>
+            <a:endParaRPr lang="uk-UA" sz="4800" dirty="0">
+              <a:latin typeface="Times New Roman" panose="02020603050405020304" pitchFamily="18" charset="0"/>
+              <a:cs typeface="Times New Roman" panose="02020603050405020304" pitchFamily="18" charset="0"/>
+            </a:endParaRPr>
+          </a:p>
+        </p:txBody>
+      </p:sp>
+      <p:sp>
+        <p:nvSpPr>
+          <p:cNvPr id="3" name="TextBox 2">
+            <a:extLst>
+              <a:ext uri="{FF2B5EF4-FFF2-40B4-BE49-F238E27FC236}">
+                <a16:creationId xmlns:a16="http://schemas.microsoft.com/office/drawing/2014/main" id="{BD137690-E9A8-4A98-A207-E874AFFF0B44}"/>
+              </a:ext>
+            </a:extLst>
+          </p:cNvPr>
+          <p:cNvSpPr txBox="1"/>
+          <p:nvPr/>
+        </p:nvSpPr>
+        <p:spPr>
+          <a:xfrm>
+            <a:off x="697584" y="1300899"/>
+            <a:ext cx="10482605" cy="4401205"/>
+          </a:xfrm>
+          <a:prstGeom prst="rect">
+            <a:avLst/>
+          </a:prstGeom>
+          <a:noFill/>
+        </p:spPr>
+        <p:txBody>
+          <a:bodyPr wrap="square" rtlCol="0">
+            <a:spAutoFit/>
+          </a:bodyPr>
+          <a:lstStyle/>
+          <a:p>
+            <a:r>
+              <a:rPr lang="uk-UA" sz="2800" dirty="0">
+                <a:latin typeface="Times New Roman" panose="02020603050405020304" pitchFamily="18" charset="0"/>
+                <a:cs typeface="Times New Roman" panose="02020603050405020304" pitchFamily="18" charset="0"/>
+              </a:rPr>
+              <a:t>Існують дві команди, що впливають на хід виконання циклу: </a:t>
+            </a:r>
+            <a:r>
+              <a:rPr lang="en-US" sz="2800" dirty="0">
+                <a:solidFill>
+                  <a:srgbClr val="FF0000"/>
+                </a:solidFill>
+                <a:latin typeface="Times New Roman" panose="02020603050405020304" pitchFamily="18" charset="0"/>
+                <a:cs typeface="Times New Roman" panose="02020603050405020304" pitchFamily="18" charset="0"/>
+              </a:rPr>
+              <a:t>break</a:t>
+            </a:r>
+            <a:r>
+              <a:rPr lang="en-US" sz="2800" dirty="0">
+                <a:latin typeface="Times New Roman" panose="02020603050405020304" pitchFamily="18" charset="0"/>
+                <a:cs typeface="Times New Roman" panose="02020603050405020304" pitchFamily="18" charset="0"/>
+              </a:rPr>
+              <a:t>, </a:t>
+            </a:r>
+            <a:r>
+              <a:rPr lang="uk-UA" sz="2800" dirty="0">
+                <a:latin typeface="Times New Roman" panose="02020603050405020304" pitchFamily="18" charset="0"/>
+                <a:cs typeface="Times New Roman" panose="02020603050405020304" pitchFamily="18" charset="0"/>
+              </a:rPr>
+              <a:t>особливості застосування якого ми покажемо в наступному розділі, та </a:t>
+            </a:r>
+            <a:r>
+              <a:rPr lang="en-US" sz="2800" dirty="0">
+                <a:solidFill>
+                  <a:srgbClr val="FF0000"/>
+                </a:solidFill>
+                <a:latin typeface="Times New Roman" panose="02020603050405020304" pitchFamily="18" charset="0"/>
+                <a:cs typeface="Times New Roman" panose="02020603050405020304" pitchFamily="18" charset="0"/>
+              </a:rPr>
+              <a:t>continue</a:t>
+            </a:r>
+            <a:r>
+              <a:rPr lang="en-US" sz="2800" dirty="0">
+                <a:latin typeface="Times New Roman" panose="02020603050405020304" pitchFamily="18" charset="0"/>
+                <a:cs typeface="Times New Roman" panose="02020603050405020304" pitchFamily="18" charset="0"/>
+              </a:rPr>
+              <a:t>.</a:t>
+            </a:r>
+          </a:p>
+          <a:p>
+            <a:r>
+              <a:rPr lang="en-US" sz="2800" dirty="0">
+                <a:solidFill>
+                  <a:srgbClr val="FF0000"/>
+                </a:solidFill>
+                <a:latin typeface="Times New Roman" panose="02020603050405020304" pitchFamily="18" charset="0"/>
+                <a:cs typeface="Times New Roman" panose="02020603050405020304" pitchFamily="18" charset="0"/>
+              </a:rPr>
+              <a:t>continue</a:t>
+            </a:r>
+            <a:r>
+              <a:rPr lang="en-US" sz="2800" dirty="0">
+                <a:latin typeface="Times New Roman" panose="02020603050405020304" pitchFamily="18" charset="0"/>
+                <a:cs typeface="Times New Roman" panose="02020603050405020304" pitchFamily="18" charset="0"/>
+              </a:rPr>
+              <a:t> – </a:t>
+            </a:r>
+            <a:r>
+              <a:rPr lang="uk-UA" sz="2800" dirty="0">
+                <a:latin typeface="Times New Roman" panose="02020603050405020304" pitchFamily="18" charset="0"/>
+                <a:cs typeface="Times New Roman" panose="02020603050405020304" pitchFamily="18" charset="0"/>
+              </a:rPr>
+              <a:t>припиняє виконання тіла поточного циклу та здійснює перехід до логічного виразу оператора </a:t>
+            </a:r>
+            <a:r>
+              <a:rPr lang="en-US" sz="2800" dirty="0">
+                <a:latin typeface="Times New Roman" panose="02020603050405020304" pitchFamily="18" charset="0"/>
+                <a:cs typeface="Times New Roman" panose="02020603050405020304" pitchFamily="18" charset="0"/>
+              </a:rPr>
+              <a:t>while. </a:t>
+            </a:r>
+            <a:r>
+              <a:rPr lang="uk-UA" sz="2800" dirty="0">
+                <a:latin typeface="Times New Roman" panose="02020603050405020304" pitchFamily="18" charset="0"/>
+                <a:cs typeface="Times New Roman" panose="02020603050405020304" pitchFamily="18" charset="0"/>
+              </a:rPr>
+              <a:t>Якщо обчислений вираз буде істинним – виконання циклу буде продовжено.</a:t>
+            </a:r>
+          </a:p>
+          <a:p>
+            <a:r>
+              <a:rPr lang="en-US" sz="2800" dirty="0">
+                <a:solidFill>
+                  <a:srgbClr val="FF0000"/>
+                </a:solidFill>
+                <a:latin typeface="Times New Roman" panose="02020603050405020304" pitchFamily="18" charset="0"/>
+                <a:cs typeface="Times New Roman" panose="02020603050405020304" pitchFamily="18" charset="0"/>
+              </a:rPr>
+              <a:t>break</a:t>
+            </a:r>
+            <a:r>
+              <a:rPr lang="en-US" sz="2800" dirty="0">
+                <a:latin typeface="Times New Roman" panose="02020603050405020304" pitchFamily="18" charset="0"/>
+                <a:cs typeface="Times New Roman" panose="02020603050405020304" pitchFamily="18" charset="0"/>
+              </a:rPr>
+              <a:t> – </a:t>
+            </a:r>
+            <a:r>
+              <a:rPr lang="uk-UA" sz="2800" dirty="0">
+                <a:latin typeface="Times New Roman" panose="02020603050405020304" pitchFamily="18" charset="0"/>
+                <a:cs typeface="Times New Roman" panose="02020603050405020304" pitchFamily="18" charset="0"/>
+              </a:rPr>
+              <a:t>негайно припиняє виконання поточного циклу та здійснює перехід до першої команди за його межами. Таким чином, виконання поточного циклу переривається. Докладніше ми розглянемо її у наступній темі.</a:t>
+            </a:r>
+          </a:p>
+        </p:txBody>
+      </p:sp>
+    </p:spTree>
+    <p:extLst>
+      <p:ext uri="{BB962C8B-B14F-4D97-AF65-F5344CB8AC3E}">
+        <p14:creationId xmlns:p14="http://schemas.microsoft.com/office/powerpoint/2010/main" val="2420291830"/>
+      </p:ext>
+    </p:extLst>
+  </p:cSld>
+  <p:clrMapOvr>
+    <a:masterClrMapping/>
+  </p:clrMapOvr>
+</p:sld>
+</file>
+
+<file path=ppt/slides/slide7.xml><?xml version="1.0" encoding="utf-8"?>
+<p:sld xmlns:a="http://schemas.openxmlformats.org/drawingml/2006/main" xmlns:r="http://schemas.openxmlformats.org/officeDocument/2006/relationships" xmlns:p="http://schemas.openxmlformats.org/presentationml/2006/main">
+  <p:cSld>
+    <p:spTree>
+      <p:nvGrpSpPr>
+        <p:cNvPr id="1" name=""/>
+        <p:cNvGrpSpPr/>
+        <p:nvPr/>
+      </p:nvGrpSpPr>
+      <p:grpSpPr>
+        <a:xfrm>
+          <a:off x="0" y="0"/>
+          <a:ext cx="0" cy="0"/>
+          <a:chOff x="0" y="0"/>
+          <a:chExt cx="0" cy="0"/>
+        </a:xfrm>
+      </p:grpSpPr>
+      <p:sp>
+        <p:nvSpPr>
+          <p:cNvPr id="2" name="TextBox 1">
+            <a:extLst>
+              <a:ext uri="{FF2B5EF4-FFF2-40B4-BE49-F238E27FC236}">
                 <a16:creationId xmlns:a16="http://schemas.microsoft.com/office/drawing/2014/main" id="{B756DDFA-4ACE-4E65-BEB5-7A43A8EE56CD}"/>
               </a:ext>
             </a:extLst>
@@ -16921,7 +17174,7 @@
 </p:sld>
 </file>
 
-<file path=ppt/slides/slide7.xml><?xml version="1.0" encoding="utf-8"?>
+<file path=ppt/slides/slide8.xml><?xml version="1.0" encoding="utf-8"?>
 <p:sld xmlns:a="http://schemas.openxmlformats.org/drawingml/2006/main" xmlns:r="http://schemas.openxmlformats.org/officeDocument/2006/relationships" xmlns:p="http://schemas.openxmlformats.org/presentationml/2006/main">
   <p:cSld>
     <p:bg>
@@ -19542,7 +19795,7 @@
 </p:sld>
 </file>
 
-<file path=ppt/slides/slide8.xml><?xml version="1.0" encoding="utf-8"?>
+<file path=ppt/slides/slide9.xml><?xml version="1.0" encoding="utf-8"?>
 <p:sld xmlns:a="http://schemas.openxmlformats.org/drawingml/2006/main" xmlns:r="http://schemas.openxmlformats.org/officeDocument/2006/relationships" xmlns:p="http://schemas.openxmlformats.org/presentationml/2006/main">
   <p:cSld>
     <p:spTree>
@@ -19918,259 +20171,6 @@
     <p:extLst>
       <p:ext uri="{BB962C8B-B14F-4D97-AF65-F5344CB8AC3E}">
         <p14:creationId xmlns:p14="http://schemas.microsoft.com/office/powerpoint/2010/main" val="3921363630"/>
-      </p:ext>
-    </p:extLst>
-  </p:cSld>
-  <p:clrMapOvr>
-    <a:masterClrMapping/>
-  </p:clrMapOvr>
-</p:sld>
-</file>
-
-<file path=ppt/slides/slide9.xml><?xml version="1.0" encoding="utf-8"?>
-<p:sld xmlns:a="http://schemas.openxmlformats.org/drawingml/2006/main" xmlns:r="http://schemas.openxmlformats.org/officeDocument/2006/relationships" xmlns:p="http://schemas.openxmlformats.org/presentationml/2006/main">
-  <p:cSld>
-    <p:spTree>
-      <p:nvGrpSpPr>
-        <p:cNvPr id="1" name=""/>
-        <p:cNvGrpSpPr/>
-        <p:nvPr/>
-      </p:nvGrpSpPr>
-      <p:grpSpPr>
-        <a:xfrm>
-          <a:off x="0" y="0"/>
-          <a:ext cx="0" cy="0"/>
-          <a:chOff x="0" y="0"/>
-          <a:chExt cx="0" cy="0"/>
-        </a:xfrm>
-      </p:grpSpPr>
-      <p:sp>
-        <p:nvSpPr>
-          <p:cNvPr id="2" name="TextBox 1">
-            <a:extLst>
-              <a:ext uri="{FF2B5EF4-FFF2-40B4-BE49-F238E27FC236}">
-                <a16:creationId xmlns:a16="http://schemas.microsoft.com/office/drawing/2014/main" id="{37B6AA6B-61D5-49C7-893E-15608A34549D}"/>
-              </a:ext>
-            </a:extLst>
-          </p:cNvPr>
-          <p:cNvSpPr txBox="1"/>
-          <p:nvPr/>
-        </p:nvSpPr>
-        <p:spPr>
-          <a:xfrm>
-            <a:off x="0" y="0"/>
-            <a:ext cx="12192000" cy="830997"/>
-          </a:xfrm>
-          <a:prstGeom prst="rect">
-            <a:avLst/>
-          </a:prstGeom>
-          <a:noFill/>
-        </p:spPr>
-        <p:txBody>
-          <a:bodyPr wrap="square" rtlCol="0">
-            <a:spAutoFit/>
-          </a:bodyPr>
-          <a:lstStyle/>
-          <a:p>
-            <a:pPr algn="ctr"/>
-            <a:r>
-              <a:rPr lang="ru-RU" sz="4800" dirty="0" err="1">
-                <a:latin typeface="Times New Roman" panose="02020603050405020304" pitchFamily="18" charset="0"/>
-                <a:cs typeface="Times New Roman" panose="02020603050405020304" pitchFamily="18" charset="0"/>
-              </a:rPr>
-              <a:t>Керівні</a:t>
-            </a:r>
-            <a:r>
-              <a:rPr lang="ru-RU" sz="4800" dirty="0">
-                <a:latin typeface="Times New Roman" panose="02020603050405020304" pitchFamily="18" charset="0"/>
-                <a:cs typeface="Times New Roman" panose="02020603050405020304" pitchFamily="18" charset="0"/>
-              </a:rPr>
-              <a:t> </a:t>
-            </a:r>
-            <a:r>
-              <a:rPr lang="ru-RU" sz="4800" dirty="0" err="1">
-                <a:latin typeface="Times New Roman" panose="02020603050405020304" pitchFamily="18" charset="0"/>
-                <a:cs typeface="Times New Roman" panose="02020603050405020304" pitchFamily="18" charset="0"/>
-              </a:rPr>
-              <a:t>команди</a:t>
-            </a:r>
-            <a:r>
-              <a:rPr lang="ru-RU" sz="4800" dirty="0">
-                <a:latin typeface="Times New Roman" panose="02020603050405020304" pitchFamily="18" charset="0"/>
-                <a:cs typeface="Times New Roman" panose="02020603050405020304" pitchFamily="18" charset="0"/>
-              </a:rPr>
-              <a:t> в </a:t>
-            </a:r>
-            <a:r>
-              <a:rPr lang="ru-RU" sz="4800" dirty="0" err="1">
-                <a:latin typeface="Times New Roman" panose="02020603050405020304" pitchFamily="18" charset="0"/>
-                <a:cs typeface="Times New Roman" panose="02020603050405020304" pitchFamily="18" charset="0"/>
-              </a:rPr>
-              <a:t>тілі</a:t>
-            </a:r>
-            <a:r>
-              <a:rPr lang="ru-RU" sz="4800" dirty="0">
-                <a:latin typeface="Times New Roman" panose="02020603050405020304" pitchFamily="18" charset="0"/>
-                <a:cs typeface="Times New Roman" panose="02020603050405020304" pitchFamily="18" charset="0"/>
-              </a:rPr>
-              <a:t> циклу</a:t>
-            </a:r>
-            <a:endParaRPr lang="uk-UA" sz="4800" dirty="0">
-              <a:latin typeface="Times New Roman" panose="02020603050405020304" pitchFamily="18" charset="0"/>
-              <a:cs typeface="Times New Roman" panose="02020603050405020304" pitchFamily="18" charset="0"/>
-            </a:endParaRPr>
-          </a:p>
-        </p:txBody>
-      </p:sp>
-      <p:sp>
-        <p:nvSpPr>
-          <p:cNvPr id="3" name="TextBox 2">
-            <a:extLst>
-              <a:ext uri="{FF2B5EF4-FFF2-40B4-BE49-F238E27FC236}">
-                <a16:creationId xmlns:a16="http://schemas.microsoft.com/office/drawing/2014/main" id="{BD137690-E9A8-4A98-A207-E874AFFF0B44}"/>
-              </a:ext>
-            </a:extLst>
-          </p:cNvPr>
-          <p:cNvSpPr txBox="1"/>
-          <p:nvPr/>
-        </p:nvSpPr>
-        <p:spPr>
-          <a:xfrm>
-            <a:off x="697584" y="1300899"/>
-            <a:ext cx="10482605" cy="4401205"/>
-          </a:xfrm>
-          <a:prstGeom prst="rect">
-            <a:avLst/>
-          </a:prstGeom>
-          <a:noFill/>
-        </p:spPr>
-        <p:txBody>
-          <a:bodyPr wrap="square" rtlCol="0">
-            <a:spAutoFit/>
-          </a:bodyPr>
-          <a:lstStyle/>
-          <a:p>
-            <a:r>
-              <a:rPr lang="uk-UA" sz="2800" dirty="0">
-                <a:latin typeface="Times New Roman" panose="02020603050405020304" pitchFamily="18" charset="0"/>
-                <a:cs typeface="Times New Roman" panose="02020603050405020304" pitchFamily="18" charset="0"/>
-              </a:rPr>
-              <a:t>Існують дві команди, що впливають на хід виконання циклу: </a:t>
-            </a:r>
-            <a:r>
-              <a:rPr lang="en-US" sz="2800" dirty="0">
-                <a:solidFill>
-                  <a:srgbClr val="FF0000"/>
-                </a:solidFill>
-                <a:latin typeface="Times New Roman" panose="02020603050405020304" pitchFamily="18" charset="0"/>
-                <a:cs typeface="Times New Roman" panose="02020603050405020304" pitchFamily="18" charset="0"/>
-              </a:rPr>
-              <a:t>break</a:t>
-            </a:r>
-            <a:r>
-              <a:rPr lang="en-US" sz="2800" dirty="0">
-                <a:latin typeface="Times New Roman" panose="02020603050405020304" pitchFamily="18" charset="0"/>
-                <a:cs typeface="Times New Roman" panose="02020603050405020304" pitchFamily="18" charset="0"/>
-              </a:rPr>
-              <a:t>, </a:t>
-            </a:r>
-            <a:r>
-              <a:rPr lang="uk-UA" sz="2800" dirty="0">
-                <a:latin typeface="Times New Roman" panose="02020603050405020304" pitchFamily="18" charset="0"/>
-                <a:cs typeface="Times New Roman" panose="02020603050405020304" pitchFamily="18" charset="0"/>
-              </a:rPr>
-              <a:t>особливості застосування якого ми покажемо в наступному розділі, та </a:t>
-            </a:r>
-            <a:r>
-              <a:rPr lang="en-US" sz="2800" dirty="0">
-                <a:solidFill>
-                  <a:srgbClr val="FF0000"/>
-                </a:solidFill>
-                <a:latin typeface="Times New Roman" panose="02020603050405020304" pitchFamily="18" charset="0"/>
-                <a:cs typeface="Times New Roman" panose="02020603050405020304" pitchFamily="18" charset="0"/>
-              </a:rPr>
-              <a:t>continue</a:t>
-            </a:r>
-            <a:r>
-              <a:rPr lang="en-US" sz="2800" dirty="0">
-                <a:latin typeface="Times New Roman" panose="02020603050405020304" pitchFamily="18" charset="0"/>
-                <a:cs typeface="Times New Roman" panose="02020603050405020304" pitchFamily="18" charset="0"/>
-              </a:rPr>
-              <a:t>.</a:t>
-            </a:r>
-          </a:p>
-          <a:p>
-            <a:r>
-              <a:rPr lang="en-US" sz="2800" dirty="0">
-                <a:solidFill>
-                  <a:srgbClr val="FF0000"/>
-                </a:solidFill>
-                <a:latin typeface="Times New Roman" panose="02020603050405020304" pitchFamily="18" charset="0"/>
-                <a:cs typeface="Times New Roman" panose="02020603050405020304" pitchFamily="18" charset="0"/>
-              </a:rPr>
-              <a:t>continue</a:t>
-            </a:r>
-            <a:r>
-              <a:rPr lang="en-US" sz="2800" dirty="0">
-                <a:latin typeface="Times New Roman" panose="02020603050405020304" pitchFamily="18" charset="0"/>
-                <a:cs typeface="Times New Roman" panose="02020603050405020304" pitchFamily="18" charset="0"/>
-              </a:rPr>
-              <a:t> – </a:t>
-            </a:r>
-            <a:r>
-              <a:rPr lang="uk-UA" sz="2800" dirty="0">
-                <a:latin typeface="Times New Roman" panose="02020603050405020304" pitchFamily="18" charset="0"/>
-                <a:cs typeface="Times New Roman" panose="02020603050405020304" pitchFamily="18" charset="0"/>
-              </a:rPr>
-              <a:t>припиняє виконання тіла поточного циклу та здійснює перехід до логічного виразу оператора </a:t>
-            </a:r>
-            <a:r>
-              <a:rPr lang="en-US" sz="2800" dirty="0">
-                <a:latin typeface="Times New Roman" panose="02020603050405020304" pitchFamily="18" charset="0"/>
-                <a:cs typeface="Times New Roman" panose="02020603050405020304" pitchFamily="18" charset="0"/>
-              </a:rPr>
-              <a:t>while. </a:t>
-            </a:r>
-            <a:r>
-              <a:rPr lang="uk-UA" sz="2800" dirty="0">
-                <a:latin typeface="Times New Roman" panose="02020603050405020304" pitchFamily="18" charset="0"/>
-                <a:cs typeface="Times New Roman" panose="02020603050405020304" pitchFamily="18" charset="0"/>
-              </a:rPr>
-              <a:t>Якщо обчислений вираз буде істинним – виконання циклу буде продовжено.</a:t>
-            </a:r>
-          </a:p>
-          <a:p>
-            <a:r>
-              <a:rPr lang="en-US" sz="2800" dirty="0">
-                <a:solidFill>
-                  <a:srgbClr val="FF0000"/>
-                </a:solidFill>
-                <a:latin typeface="Times New Roman" panose="02020603050405020304" pitchFamily="18" charset="0"/>
-                <a:cs typeface="Times New Roman" panose="02020603050405020304" pitchFamily="18" charset="0"/>
-              </a:rPr>
-              <a:t>break</a:t>
-            </a:r>
-            <a:r>
-              <a:rPr lang="en-US" sz="2800" dirty="0">
-                <a:latin typeface="Times New Roman" panose="02020603050405020304" pitchFamily="18" charset="0"/>
-                <a:cs typeface="Times New Roman" panose="02020603050405020304" pitchFamily="18" charset="0"/>
-              </a:rPr>
-              <a:t> – </a:t>
-            </a:r>
-            <a:r>
-              <a:rPr lang="uk-UA" sz="2800" dirty="0">
-                <a:latin typeface="Times New Roman" panose="02020603050405020304" pitchFamily="18" charset="0"/>
-                <a:cs typeface="Times New Roman" panose="02020603050405020304" pitchFamily="18" charset="0"/>
-              </a:rPr>
-              <a:t>негайно припиняє виконання поточного циклу та здійснює перехід до першої команди за його межами. Таким чином, виконання поточного циклу переривається. Докладніше ми розглянемо її у наступній темі.</a:t>
-            </a:r>
-          </a:p>
-        </p:txBody>
-      </p:sp>
-    </p:spTree>
-    <p:extLst>
-      <p:ext uri="{BB962C8B-B14F-4D97-AF65-F5344CB8AC3E}">
-        <p14:creationId xmlns:p14="http://schemas.microsoft.com/office/powerpoint/2010/main" val="2420291830"/>
       </p:ext>
     </p:extLst>
   </p:cSld>
